--- a/Documents/Presentations/Presentation2.pptx
+++ b/Documents/Presentations/Presentation2.pptx
@@ -7,9 +7,11 @@
   <p:sldIdLst>
     <p:sldId id="256" r:id="rId2"/>
     <p:sldId id="257" r:id="rId3"/>
-    <p:sldId id="263" r:id="rId4"/>
-    <p:sldId id="265" r:id="rId5"/>
-    <p:sldId id="264" r:id="rId6"/>
+    <p:sldId id="266" r:id="rId4"/>
+    <p:sldId id="263" r:id="rId5"/>
+    <p:sldId id="265" r:id="rId6"/>
+    <p:sldId id="264" r:id="rId7"/>
+    <p:sldId id="267" r:id="rId8"/>
   </p:sldIdLst>
   <p:sldSz cx="12192000" cy="6858000"/>
   <p:notesSz cx="6858000" cy="9144000"/>
@@ -3158,9 +3160,10 @@
           <a:lstStyle/>
           <a:p>
             <a:r>
-              <a:rPr lang="en-GB" dirty="0"/>
-              <a:t>Key Stage 2 History Topics</a:t>
-            </a:r>
+              <a:rPr lang="en-US" dirty="0" smtClean="0"/>
+              <a:t>Overview</a:t>
+            </a:r>
+            <a:endParaRPr lang="en-US" dirty="0"/>
           </a:p>
         </p:txBody>
       </p:sp>
@@ -3179,70 +3182,14 @@
           <a:bodyPr/>
           <a:lstStyle/>
           <a:p>
-            <a:pPr fontAlgn="ctr"/>
-            <a:r>
-              <a:rPr lang="en-GB" dirty="0"/>
-              <a:t>Ancient Greece</a:t>
-            </a:r>
-          </a:p>
-          <a:p>
-            <a:pPr fontAlgn="ctr"/>
-            <a:r>
-              <a:rPr lang="en-GB" dirty="0"/>
-              <a:t>Roman Empire </a:t>
-            </a:r>
-          </a:p>
-          <a:p>
-            <a:pPr fontAlgn="ctr"/>
-            <a:r>
-              <a:rPr lang="en-GB" dirty="0"/>
-              <a:t>Ancient Egypt</a:t>
-            </a:r>
-          </a:p>
-          <a:p>
-            <a:pPr fontAlgn="ctr"/>
-            <a:r>
-              <a:rPr lang="en-GB" dirty="0"/>
-              <a:t>The Americas</a:t>
-            </a:r>
-          </a:p>
-          <a:p>
-            <a:pPr fontAlgn="ctr"/>
-            <a:r>
-              <a:rPr lang="en-GB" dirty="0"/>
-              <a:t>Pre Historic  (Stonehenge)</a:t>
-            </a:r>
-          </a:p>
-          <a:p>
-            <a:pPr fontAlgn="ctr"/>
-            <a:r>
-              <a:rPr lang="en-GB" dirty="0"/>
-              <a:t>Vikings</a:t>
-            </a:r>
-          </a:p>
-          <a:p>
-            <a:pPr fontAlgn="ctr"/>
-            <a:r>
-              <a:rPr lang="en-GB" dirty="0"/>
-              <a:t>Middle Ages</a:t>
-            </a:r>
-          </a:p>
-          <a:p>
-            <a:pPr fontAlgn="ctr"/>
-            <a:r>
-              <a:rPr lang="en-GB" dirty="0"/>
-              <a:t>Anglo Saxons</a:t>
-            </a:r>
-          </a:p>
-          <a:p>
-            <a:endParaRPr lang="en-GB" dirty="0"/>
+            <a:endParaRPr lang="en-US"/>
           </a:p>
         </p:txBody>
       </p:sp>
     </p:spTree>
     <p:extLst>
       <p:ext uri="{BB962C8B-B14F-4D97-AF65-F5344CB8AC3E}">
-        <p14:creationId xmlns:p14="http://schemas.microsoft.com/office/powerpoint/2010/main" val="614127605"/>
+        <p14:creationId xmlns:p14="http://schemas.microsoft.com/office/powerpoint/2010/main" val="834403695"/>
       </p:ext>
     </p:extLst>
   </p:cSld>
@@ -3285,17 +3232,91 @@
           <a:lstStyle/>
           <a:p>
             <a:r>
-              <a:rPr lang="en-US" dirty="0" smtClean="0"/>
-              <a:t>Artifacts</a:t>
-            </a:r>
-            <a:endParaRPr lang="en-US" dirty="0"/>
+              <a:rPr lang="en-GB" dirty="0"/>
+              <a:t>Key Stage 2 History Topics</a:t>
+            </a:r>
+          </a:p>
+        </p:txBody>
+      </p:sp>
+      <p:sp>
+        <p:nvSpPr>
+          <p:cNvPr id="3" name="Content Placeholder 2"/>
+          <p:cNvSpPr>
+            <a:spLocks noGrp="1"/>
+          </p:cNvSpPr>
+          <p:nvPr>
+            <p:ph idx="1"/>
+          </p:nvPr>
+        </p:nvSpPr>
+        <p:spPr/>
+        <p:txBody>
+          <a:bodyPr/>
+          <a:lstStyle/>
+          <a:p>
+            <a:pPr fontAlgn="ctr"/>
+            <a:r>
+              <a:rPr lang="en-GB" dirty="0"/>
+              <a:t>Ancient Greece</a:t>
+            </a:r>
+          </a:p>
+          <a:p>
+            <a:pPr fontAlgn="ctr"/>
+            <a:r>
+              <a:rPr lang="en-GB" dirty="0"/>
+              <a:t>Roman Empire </a:t>
+            </a:r>
+          </a:p>
+          <a:p>
+            <a:pPr fontAlgn="ctr"/>
+            <a:r>
+              <a:rPr lang="en-GB" dirty="0"/>
+              <a:t>Ancient Egypt</a:t>
+            </a:r>
+          </a:p>
+          <a:p>
+            <a:pPr fontAlgn="ctr"/>
+            <a:r>
+              <a:rPr lang="en-GB" dirty="0"/>
+              <a:t>The Americas</a:t>
+            </a:r>
+          </a:p>
+          <a:p>
+            <a:pPr fontAlgn="ctr"/>
+            <a:r>
+              <a:rPr lang="en-GB" dirty="0"/>
+              <a:t>Pre Historic  (Stonehenge)</a:t>
+            </a:r>
+          </a:p>
+          <a:p>
+            <a:pPr fontAlgn="ctr"/>
+            <a:r>
+              <a:rPr lang="en-GB" dirty="0"/>
+              <a:t>Vikings</a:t>
+            </a:r>
+          </a:p>
+          <a:p>
+            <a:pPr fontAlgn="ctr"/>
+            <a:r>
+              <a:rPr lang="en-GB" dirty="0"/>
+              <a:t>Middle Ages</a:t>
+            </a:r>
+          </a:p>
+          <a:p>
+            <a:pPr fontAlgn="ctr"/>
+            <a:r>
+              <a:rPr lang="en-GB" dirty="0"/>
+              <a:t>Anglo Saxons</a:t>
+            </a:r>
+          </a:p>
+          <a:p>
+            <a:endParaRPr lang="en-GB" dirty="0"/>
           </a:p>
         </p:txBody>
       </p:sp>
     </p:spTree>
     <p:extLst>
       <p:ext uri="{BB962C8B-B14F-4D97-AF65-F5344CB8AC3E}">
-        <p14:creationId xmlns:p14="http://schemas.microsoft.com/office/powerpoint/2010/main" val="1746274680"/>
+        <p14:creationId xmlns:p14="http://schemas.microsoft.com/office/powerpoint/2010/main" val="614127605"/>
       </p:ext>
     </p:extLst>
   </p:cSld>
@@ -3329,6 +3350,59 @@
             <a:spLocks noGrp="1"/>
           </p:cNvSpPr>
           <p:nvPr>
+            <p:ph type="title"/>
+          </p:nvPr>
+        </p:nvSpPr>
+        <p:spPr/>
+        <p:txBody>
+          <a:bodyPr/>
+          <a:lstStyle/>
+          <a:p>
+            <a:r>
+              <a:rPr lang="en-US" dirty="0" smtClean="0"/>
+              <a:t>Artifacts</a:t>
+            </a:r>
+            <a:endParaRPr lang="en-US" dirty="0"/>
+          </a:p>
+        </p:txBody>
+      </p:sp>
+    </p:spTree>
+    <p:extLst>
+      <p:ext uri="{BB962C8B-B14F-4D97-AF65-F5344CB8AC3E}">
+        <p14:creationId xmlns:p14="http://schemas.microsoft.com/office/powerpoint/2010/main" val="1746274680"/>
+      </p:ext>
+    </p:extLst>
+  </p:cSld>
+  <p:clrMapOvr>
+    <a:masterClrMapping/>
+  </p:clrMapOvr>
+</p:sld>
+</file>
+
+<file path=ppt/slides/slide6.xml><?xml version="1.0" encoding="utf-8"?>
+<p:sld xmlns:a="http://schemas.openxmlformats.org/drawingml/2006/main" xmlns:r="http://schemas.openxmlformats.org/officeDocument/2006/relationships" xmlns:p="http://schemas.openxmlformats.org/presentationml/2006/main">
+  <p:cSld>
+    <p:spTree>
+      <p:nvGrpSpPr>
+        <p:cNvPr id="1" name=""/>
+        <p:cNvGrpSpPr/>
+        <p:nvPr/>
+      </p:nvGrpSpPr>
+      <p:grpSpPr>
+        <a:xfrm>
+          <a:off x="0" y="0"/>
+          <a:ext cx="0" cy="0"/>
+          <a:chOff x="0" y="0"/>
+          <a:chExt cx="0" cy="0"/>
+        </a:xfrm>
+      </p:grpSpPr>
+      <p:sp>
+        <p:nvSpPr>
+          <p:cNvPr id="2" name="Title 1"/>
+          <p:cNvSpPr>
+            <a:spLocks noGrp="1"/>
+          </p:cNvSpPr>
+          <p:nvPr>
             <p:ph type="ctrTitle"/>
           </p:nvPr>
         </p:nvSpPr>
@@ -3348,6 +3422,104 @@
     <p:extLst>
       <p:ext uri="{BB962C8B-B14F-4D97-AF65-F5344CB8AC3E}">
         <p14:creationId xmlns:p14="http://schemas.microsoft.com/office/powerpoint/2010/main" val="3037457957"/>
+      </p:ext>
+    </p:extLst>
+  </p:cSld>
+  <p:clrMapOvr>
+    <a:masterClrMapping/>
+  </p:clrMapOvr>
+</p:sld>
+</file>
+
+<file path=ppt/slides/slide7.xml><?xml version="1.0" encoding="utf-8"?>
+<p:sld xmlns:a="http://schemas.openxmlformats.org/drawingml/2006/main" xmlns:r="http://schemas.openxmlformats.org/officeDocument/2006/relationships" xmlns:p="http://schemas.openxmlformats.org/presentationml/2006/main">
+  <p:cSld>
+    <p:spTree>
+      <p:nvGrpSpPr>
+        <p:cNvPr id="1" name=""/>
+        <p:cNvGrpSpPr/>
+        <p:nvPr/>
+      </p:nvGrpSpPr>
+      <p:grpSpPr>
+        <a:xfrm>
+          <a:off x="0" y="0"/>
+          <a:ext cx="0" cy="0"/>
+          <a:chOff x="0" y="0"/>
+          <a:chExt cx="0" cy="0"/>
+        </a:xfrm>
+      </p:grpSpPr>
+      <p:sp>
+        <p:nvSpPr>
+          <p:cNvPr id="2" name="Title 1"/>
+          <p:cNvSpPr>
+            <a:spLocks noGrp="1"/>
+          </p:cNvSpPr>
+          <p:nvPr>
+            <p:ph type="title"/>
+          </p:nvPr>
+        </p:nvSpPr>
+        <p:spPr/>
+        <p:txBody>
+          <a:bodyPr/>
+          <a:lstStyle/>
+          <a:p>
+            <a:r>
+              <a:rPr lang="en-US" dirty="0" smtClean="0"/>
+              <a:t>What we are doing next</a:t>
+            </a:r>
+            <a:endParaRPr lang="en-US" dirty="0"/>
+          </a:p>
+        </p:txBody>
+      </p:sp>
+      <p:sp>
+        <p:nvSpPr>
+          <p:cNvPr id="3" name="Content Placeholder 2"/>
+          <p:cNvSpPr>
+            <a:spLocks noGrp="1"/>
+          </p:cNvSpPr>
+          <p:nvPr>
+            <p:ph idx="1"/>
+          </p:nvPr>
+        </p:nvSpPr>
+        <p:spPr/>
+        <p:txBody>
+          <a:bodyPr/>
+          <a:lstStyle/>
+          <a:p>
+            <a:r>
+              <a:rPr lang="en-US" dirty="0" smtClean="0"/>
+              <a:t>Fixing and Finishing the match 3 mechanic</a:t>
+            </a:r>
+          </a:p>
+          <a:p>
+            <a:r>
+              <a:rPr lang="en-US" dirty="0" smtClean="0"/>
+              <a:t>Menu Camera Movement / level Information UI</a:t>
+            </a:r>
+          </a:p>
+          <a:p>
+            <a:r>
+              <a:rPr lang="en-US" dirty="0" smtClean="0"/>
+              <a:t>Remaining Environment Models for Anglo Saxon levels</a:t>
+            </a:r>
+          </a:p>
+          <a:p>
+            <a:r>
+              <a:rPr lang="en-US" dirty="0" smtClean="0"/>
+              <a:t>Facts spawn in on </a:t>
+            </a:r>
+            <a:r>
+              <a:rPr lang="en-US" smtClean="0"/>
+              <a:t>the correct level </a:t>
+            </a:r>
+            <a:endParaRPr lang="en-US" dirty="0"/>
+          </a:p>
+        </p:txBody>
+      </p:sp>
+    </p:spTree>
+    <p:extLst>
+      <p:ext uri="{BB962C8B-B14F-4D97-AF65-F5344CB8AC3E}">
+        <p14:creationId xmlns:p14="http://schemas.microsoft.com/office/powerpoint/2010/main" val="754686955"/>
       </p:ext>
     </p:extLst>
   </p:cSld>

--- a/Documents/Presentations/Presentation2.pptx
+++ b/Documents/Presentations/Presentation2.pptx
@@ -7,11 +7,11 @@
   <p:sldIdLst>
     <p:sldId id="256" r:id="rId2"/>
     <p:sldId id="257" r:id="rId3"/>
-    <p:sldId id="266" r:id="rId4"/>
-    <p:sldId id="263" r:id="rId5"/>
+    <p:sldId id="263" r:id="rId4"/>
+    <p:sldId id="264" r:id="rId5"/>
     <p:sldId id="265" r:id="rId6"/>
-    <p:sldId id="264" r:id="rId7"/>
-    <p:sldId id="267" r:id="rId8"/>
+    <p:sldId id="267" r:id="rId7"/>
+    <p:sldId id="268" r:id="rId8"/>
   </p:sldIdLst>
   <p:sldSz cx="12192000" cy="6858000"/>
   <p:notesSz cx="6858000" cy="9144000"/>
@@ -118,6 +118,860 @@
 </p:presentation>
 </file>
 
+<file path=ppt/charts/chart1.xml><?xml version="1.0" encoding="utf-8"?>
+<c:chartSpace xmlns:c="http://schemas.openxmlformats.org/drawingml/2006/chart" xmlns:a="http://schemas.openxmlformats.org/drawingml/2006/main" xmlns:r="http://schemas.openxmlformats.org/officeDocument/2006/relationships">
+  <c:date1904 val="0"/>
+  <c:lang val="en-GB"/>
+  <c:roundedCorners val="0"/>
+  <mc:AlternateContent xmlns:mc="http://schemas.openxmlformats.org/markup-compatibility/2006">
+    <mc:Choice xmlns:c14="http://schemas.microsoft.com/office/drawing/2007/8/2/chart" Requires="c14">
+      <c14:style val="102"/>
+    </mc:Choice>
+    <mc:Fallback>
+      <c:style val="2"/>
+    </mc:Fallback>
+  </mc:AlternateContent>
+  <c:chart>
+    <c:title>
+      <c:tx>
+        <c:rich>
+          <a:bodyPr rot="0" spcFirstLastPara="1" vertOverflow="ellipsis" vert="horz" wrap="square" anchor="ctr" anchorCtr="1"/>
+          <a:lstStyle/>
+          <a:p>
+            <a:pPr>
+              <a:defRPr sz="1400" b="0" i="0" u="none" strike="noStrike" kern="1200" spc="0" baseline="0">
+                <a:solidFill>
+                  <a:schemeClr val="tx1">
+                    <a:lumMod val="65000"/>
+                    <a:lumOff val="35000"/>
+                  </a:schemeClr>
+                </a:solidFill>
+                <a:latin typeface="+mn-lt"/>
+                <a:ea typeface="+mn-ea"/>
+                <a:cs typeface="+mn-cs"/>
+              </a:defRPr>
+            </a:pPr>
+            <a:r>
+              <a:rPr lang="en-US" sz="3000" dirty="0"/>
+              <a:t>Project</a:t>
+            </a:r>
+            <a:r>
+              <a:rPr lang="en-US" sz="3000" baseline="0" dirty="0"/>
+              <a:t> Hours Logged</a:t>
+            </a:r>
+            <a:endParaRPr lang="en-US" sz="3000" dirty="0"/>
+          </a:p>
+        </c:rich>
+      </c:tx>
+      <c:layout/>
+      <c:overlay val="0"/>
+      <c:spPr>
+        <a:noFill/>
+        <a:ln>
+          <a:noFill/>
+        </a:ln>
+        <a:effectLst/>
+      </c:spPr>
+      <c:txPr>
+        <a:bodyPr rot="0" spcFirstLastPara="1" vertOverflow="ellipsis" vert="horz" wrap="square" anchor="ctr" anchorCtr="1"/>
+        <a:lstStyle/>
+        <a:p>
+          <a:pPr>
+            <a:defRPr sz="1400" b="0" i="0" u="none" strike="noStrike" kern="1200" spc="0" baseline="0">
+              <a:solidFill>
+                <a:schemeClr val="tx1">
+                  <a:lumMod val="65000"/>
+                  <a:lumOff val="35000"/>
+                </a:schemeClr>
+              </a:solidFill>
+              <a:latin typeface="+mn-lt"/>
+              <a:ea typeface="+mn-ea"/>
+              <a:cs typeface="+mn-cs"/>
+            </a:defRPr>
+          </a:pPr>
+          <a:endParaRPr lang="en-US"/>
+        </a:p>
+      </c:txPr>
+    </c:title>
+    <c:autoTitleDeleted val="0"/>
+    <c:plotArea>
+      <c:layout>
+        <c:manualLayout>
+          <c:layoutTarget val="inner"/>
+          <c:xMode val="edge"/>
+          <c:yMode val="edge"/>
+          <c:x val="0.267285081212674"/>
+          <c:y val="0.0957753307611349"/>
+          <c:w val="0.46542993267146"/>
+          <c:h val="0.876918801594921"/>
+        </c:manualLayout>
+      </c:layout>
+      <c:pieChart>
+        <c:varyColors val="1"/>
+        <c:ser>
+          <c:idx val="0"/>
+          <c:order val="0"/>
+          <c:dPt>
+            <c:idx val="0"/>
+            <c:bubble3D val="0"/>
+            <c:spPr>
+              <a:solidFill>
+                <a:schemeClr val="accent1"/>
+              </a:solidFill>
+              <a:ln w="19050">
+                <a:solidFill>
+                  <a:schemeClr val="lt1"/>
+                </a:solidFill>
+              </a:ln>
+              <a:effectLst/>
+            </c:spPr>
+          </c:dPt>
+          <c:dPt>
+            <c:idx val="1"/>
+            <c:bubble3D val="0"/>
+            <c:spPr>
+              <a:solidFill>
+                <a:schemeClr val="accent2"/>
+              </a:solidFill>
+              <a:ln w="19050">
+                <a:solidFill>
+                  <a:schemeClr val="lt1"/>
+                </a:solidFill>
+              </a:ln>
+              <a:effectLst/>
+            </c:spPr>
+          </c:dPt>
+          <c:dPt>
+            <c:idx val="2"/>
+            <c:bubble3D val="0"/>
+            <c:spPr>
+              <a:solidFill>
+                <a:schemeClr val="accent3"/>
+              </a:solidFill>
+              <a:ln w="19050">
+                <a:solidFill>
+                  <a:schemeClr val="lt1"/>
+                </a:solidFill>
+              </a:ln>
+              <a:effectLst/>
+            </c:spPr>
+          </c:dPt>
+          <c:val>
+            <c:numRef>
+              <c:f>(Sheet1!$C$36,Sheet1!$F$36,Sheet1!$I$36)</c:f>
+              <c:numCache>
+                <c:formatCode>General</c:formatCode>
+                <c:ptCount val="3"/>
+                <c:pt idx="0">
+                  <c:v>40.0</c:v>
+                </c:pt>
+                <c:pt idx="1">
+                  <c:v>40.5</c:v>
+                </c:pt>
+                <c:pt idx="2">
+                  <c:v>40.0</c:v>
+                </c:pt>
+              </c:numCache>
+            </c:numRef>
+          </c:val>
+        </c:ser>
+        <c:dLbls>
+          <c:showLegendKey val="0"/>
+          <c:showVal val="0"/>
+          <c:showCatName val="0"/>
+          <c:showSerName val="0"/>
+          <c:showPercent val="0"/>
+          <c:showBubbleSize val="0"/>
+          <c:showLeaderLines val="1"/>
+        </c:dLbls>
+        <c:firstSliceAng val="0"/>
+      </c:pieChart>
+      <c:spPr>
+        <a:noFill/>
+        <a:ln>
+          <a:noFill/>
+        </a:ln>
+        <a:effectLst/>
+      </c:spPr>
+    </c:plotArea>
+    <c:plotVisOnly val="1"/>
+    <c:dispBlanksAs val="gap"/>
+    <c:showDLblsOverMax val="0"/>
+  </c:chart>
+  <c:spPr>
+    <a:noFill/>
+    <a:ln>
+      <a:noFill/>
+    </a:ln>
+    <a:effectLst/>
+  </c:spPr>
+  <c:txPr>
+    <a:bodyPr/>
+    <a:lstStyle/>
+    <a:p>
+      <a:pPr>
+        <a:defRPr/>
+      </a:pPr>
+      <a:endParaRPr lang="en-US"/>
+    </a:p>
+  </c:txPr>
+  <c:externalData r:id="rId3">
+    <c:autoUpdate val="0"/>
+  </c:externalData>
+  <c:userShapes r:id="rId4"/>
+</c:chartSpace>
+</file>
+
+<file path=ppt/charts/colors1.xml><?xml version="1.0" encoding="utf-8"?>
+<cs:colorStyle xmlns:cs="http://schemas.microsoft.com/office/drawing/2012/chartStyle" xmlns:a="http://schemas.openxmlformats.org/drawingml/2006/main" meth="cycle" id="10">
+  <a:schemeClr val="accent1"/>
+  <a:schemeClr val="accent2"/>
+  <a:schemeClr val="accent3"/>
+  <a:schemeClr val="accent4"/>
+  <a:schemeClr val="accent5"/>
+  <a:schemeClr val="accent6"/>
+  <cs:variation/>
+  <cs:variation>
+    <a:lumMod val="60000"/>
+  </cs:variation>
+  <cs:variation>
+    <a:lumMod val="80000"/>
+    <a:lumOff val="20000"/>
+  </cs:variation>
+  <cs:variation>
+    <a:lumMod val="80000"/>
+  </cs:variation>
+  <cs:variation>
+    <a:lumMod val="60000"/>
+    <a:lumOff val="40000"/>
+  </cs:variation>
+  <cs:variation>
+    <a:lumMod val="50000"/>
+  </cs:variation>
+  <cs:variation>
+    <a:lumMod val="70000"/>
+    <a:lumOff val="30000"/>
+  </cs:variation>
+  <cs:variation>
+    <a:lumMod val="70000"/>
+  </cs:variation>
+  <cs:variation>
+    <a:lumMod val="50000"/>
+    <a:lumOff val="50000"/>
+  </cs:variation>
+</cs:colorStyle>
+</file>
+
+<file path=ppt/charts/style1.xml><?xml version="1.0" encoding="utf-8"?>
+<cs:chartStyle xmlns:cs="http://schemas.microsoft.com/office/drawing/2012/chartStyle" xmlns:a="http://schemas.openxmlformats.org/drawingml/2006/main" id="251">
+  <cs:axisTitle>
+    <cs:lnRef idx="0"/>
+    <cs:fillRef idx="0"/>
+    <cs:effectRef idx="0"/>
+    <cs:fontRef idx="minor">
+      <a:schemeClr val="tx1">
+        <a:lumMod val="65000"/>
+        <a:lumOff val="35000"/>
+      </a:schemeClr>
+    </cs:fontRef>
+    <cs:defRPr sz="1000" kern="1200"/>
+  </cs:axisTitle>
+  <cs:categoryAxis>
+    <cs:lnRef idx="0"/>
+    <cs:fillRef idx="0"/>
+    <cs:effectRef idx="0"/>
+    <cs:fontRef idx="minor">
+      <a:schemeClr val="tx1">
+        <a:lumMod val="65000"/>
+        <a:lumOff val="35000"/>
+      </a:schemeClr>
+    </cs:fontRef>
+    <cs:spPr>
+      <a:ln w="9525" cap="flat" cmpd="sng" algn="ctr">
+        <a:solidFill>
+          <a:schemeClr val="tx1">
+            <a:lumMod val="15000"/>
+            <a:lumOff val="85000"/>
+          </a:schemeClr>
+        </a:solidFill>
+        <a:round/>
+      </a:ln>
+    </cs:spPr>
+    <cs:defRPr sz="900" kern="1200"/>
+  </cs:categoryAxis>
+  <cs:chartArea mods="allowNoFillOverride allowNoLineOverride">
+    <cs:lnRef idx="0"/>
+    <cs:fillRef idx="0"/>
+    <cs:effectRef idx="0"/>
+    <cs:fontRef idx="minor">
+      <a:schemeClr val="tx1"/>
+    </cs:fontRef>
+    <cs:spPr>
+      <a:solidFill>
+        <a:schemeClr val="bg1"/>
+      </a:solidFill>
+      <a:ln w="9525" cap="flat" cmpd="sng" algn="ctr">
+        <a:solidFill>
+          <a:schemeClr val="tx1">
+            <a:lumMod val="15000"/>
+            <a:lumOff val="85000"/>
+          </a:schemeClr>
+        </a:solidFill>
+        <a:round/>
+      </a:ln>
+    </cs:spPr>
+    <cs:defRPr sz="900" kern="1200"/>
+  </cs:chartArea>
+  <cs:dataLabel>
+    <cs:lnRef idx="0"/>
+    <cs:fillRef idx="0"/>
+    <cs:effectRef idx="0"/>
+    <cs:fontRef idx="minor">
+      <a:schemeClr val="tx1">
+        <a:lumMod val="75000"/>
+        <a:lumOff val="25000"/>
+      </a:schemeClr>
+    </cs:fontRef>
+    <cs:defRPr sz="900" kern="1200"/>
+  </cs:dataLabel>
+  <cs:dataLabelCallout>
+    <cs:lnRef idx="0"/>
+    <cs:fillRef idx="0"/>
+    <cs:effectRef idx="0"/>
+    <cs:fontRef idx="minor">
+      <a:schemeClr val="dk1">
+        <a:lumMod val="65000"/>
+        <a:lumOff val="35000"/>
+      </a:schemeClr>
+    </cs:fontRef>
+    <cs:spPr>
+      <a:solidFill>
+        <a:schemeClr val="lt1"/>
+      </a:solidFill>
+      <a:ln>
+        <a:solidFill>
+          <a:schemeClr val="dk1">
+            <a:lumMod val="25000"/>
+            <a:lumOff val="75000"/>
+          </a:schemeClr>
+        </a:solidFill>
+      </a:ln>
+    </cs:spPr>
+    <cs:defRPr sz="900" kern="1200"/>
+    <cs:bodyPr rot="0" spcFirstLastPara="1" vertOverflow="clip" horzOverflow="clip" vert="horz" wrap="square" lIns="36576" tIns="18288" rIns="36576" bIns="18288" anchor="ctr" anchorCtr="1">
+      <a:spAutoFit/>
+    </cs:bodyPr>
+  </cs:dataLabelCallout>
+  <cs:dataPoint>
+    <cs:lnRef idx="0"/>
+    <cs:fillRef idx="1">
+      <cs:styleClr val="auto"/>
+    </cs:fillRef>
+    <cs:effectRef idx="0"/>
+    <cs:fontRef idx="minor">
+      <a:schemeClr val="tx1"/>
+    </cs:fontRef>
+    <cs:spPr>
+      <a:ln w="19050">
+        <a:solidFill>
+          <a:schemeClr val="lt1"/>
+        </a:solidFill>
+      </a:ln>
+    </cs:spPr>
+  </cs:dataPoint>
+  <cs:dataPoint3D>
+    <cs:lnRef idx="0"/>
+    <cs:fillRef idx="1">
+      <cs:styleClr val="auto"/>
+    </cs:fillRef>
+    <cs:effectRef idx="0"/>
+    <cs:fontRef idx="minor">
+      <a:schemeClr val="tx1"/>
+    </cs:fontRef>
+    <cs:spPr>
+      <a:ln w="25400">
+        <a:solidFill>
+          <a:schemeClr val="lt1"/>
+        </a:solidFill>
+      </a:ln>
+    </cs:spPr>
+  </cs:dataPoint3D>
+  <cs:dataPointLine>
+    <cs:lnRef idx="0">
+      <cs:styleClr val="auto"/>
+    </cs:lnRef>
+    <cs:fillRef idx="0"/>
+    <cs:effectRef idx="0"/>
+    <cs:fontRef idx="minor">
+      <a:schemeClr val="tx1"/>
+    </cs:fontRef>
+    <cs:spPr>
+      <a:ln w="28575" cap="rnd">
+        <a:solidFill>
+          <a:schemeClr val="phClr"/>
+        </a:solidFill>
+        <a:round/>
+      </a:ln>
+    </cs:spPr>
+  </cs:dataPointLine>
+  <cs:dataPointMarker>
+    <cs:lnRef idx="0">
+      <cs:styleClr val="auto"/>
+    </cs:lnRef>
+    <cs:fillRef idx="1">
+      <cs:styleClr val="auto"/>
+    </cs:fillRef>
+    <cs:effectRef idx="0"/>
+    <cs:fontRef idx="minor">
+      <a:schemeClr val="tx1"/>
+    </cs:fontRef>
+    <cs:spPr>
+      <a:ln w="9525">
+        <a:solidFill>
+          <a:schemeClr val="phClr"/>
+        </a:solidFill>
+      </a:ln>
+    </cs:spPr>
+  </cs:dataPointMarker>
+  <cs:dataPointMarkerLayout symbol="circle" size="5"/>
+  <cs:dataPointWireframe>
+    <cs:lnRef idx="0">
+      <cs:styleClr val="auto"/>
+    </cs:lnRef>
+    <cs:fillRef idx="0"/>
+    <cs:effectRef idx="0"/>
+    <cs:fontRef idx="minor">
+      <a:schemeClr val="tx1"/>
+    </cs:fontRef>
+    <cs:spPr>
+      <a:ln w="9525" cap="rnd">
+        <a:solidFill>
+          <a:schemeClr val="phClr"/>
+        </a:solidFill>
+        <a:round/>
+      </a:ln>
+    </cs:spPr>
+  </cs:dataPointWireframe>
+  <cs:dataTable>
+    <cs:lnRef idx="0"/>
+    <cs:fillRef idx="0"/>
+    <cs:effectRef idx="0"/>
+    <cs:fontRef idx="minor">
+      <a:schemeClr val="tx1">
+        <a:lumMod val="65000"/>
+        <a:lumOff val="35000"/>
+      </a:schemeClr>
+    </cs:fontRef>
+    <cs:spPr>
+      <a:noFill/>
+      <a:ln w="9525" cap="flat" cmpd="sng" algn="ctr">
+        <a:solidFill>
+          <a:schemeClr val="tx1">
+            <a:lumMod val="15000"/>
+            <a:lumOff val="85000"/>
+          </a:schemeClr>
+        </a:solidFill>
+        <a:round/>
+      </a:ln>
+    </cs:spPr>
+    <cs:defRPr sz="900" kern="1200"/>
+  </cs:dataTable>
+  <cs:downBar>
+    <cs:lnRef idx="0"/>
+    <cs:fillRef idx="0"/>
+    <cs:effectRef idx="0"/>
+    <cs:fontRef idx="minor">
+      <a:schemeClr val="tx1"/>
+    </cs:fontRef>
+    <cs:spPr>
+      <a:solidFill>
+        <a:schemeClr val="dk1">
+          <a:lumMod val="75000"/>
+          <a:lumOff val="25000"/>
+        </a:schemeClr>
+      </a:solidFill>
+      <a:ln w="9525" cap="flat" cmpd="sng" algn="ctr">
+        <a:solidFill>
+          <a:schemeClr val="tx1">
+            <a:lumMod val="65000"/>
+            <a:lumOff val="35000"/>
+          </a:schemeClr>
+        </a:solidFill>
+        <a:round/>
+      </a:ln>
+    </cs:spPr>
+  </cs:downBar>
+  <cs:dropLine>
+    <cs:lnRef idx="0"/>
+    <cs:fillRef idx="0"/>
+    <cs:effectRef idx="0"/>
+    <cs:fontRef idx="minor">
+      <a:schemeClr val="tx1"/>
+    </cs:fontRef>
+    <cs:spPr>
+      <a:ln w="9525" cap="flat" cmpd="sng" algn="ctr">
+        <a:solidFill>
+          <a:schemeClr val="tx1">
+            <a:lumMod val="35000"/>
+            <a:lumOff val="65000"/>
+          </a:schemeClr>
+        </a:solidFill>
+        <a:round/>
+      </a:ln>
+    </cs:spPr>
+  </cs:dropLine>
+  <cs:errorBar>
+    <cs:lnRef idx="0"/>
+    <cs:fillRef idx="0"/>
+    <cs:effectRef idx="0"/>
+    <cs:fontRef idx="minor">
+      <a:schemeClr val="tx1"/>
+    </cs:fontRef>
+    <cs:spPr>
+      <a:ln w="9525" cap="flat" cmpd="sng" algn="ctr">
+        <a:solidFill>
+          <a:schemeClr val="tx1">
+            <a:lumMod val="65000"/>
+            <a:lumOff val="35000"/>
+          </a:schemeClr>
+        </a:solidFill>
+        <a:round/>
+      </a:ln>
+    </cs:spPr>
+  </cs:errorBar>
+  <cs:floor>
+    <cs:lnRef idx="0"/>
+    <cs:fillRef idx="0"/>
+    <cs:effectRef idx="0"/>
+    <cs:fontRef idx="minor">
+      <a:schemeClr val="tx1"/>
+    </cs:fontRef>
+    <cs:spPr>
+      <a:noFill/>
+      <a:ln>
+        <a:noFill/>
+      </a:ln>
+    </cs:spPr>
+  </cs:floor>
+  <cs:gridlineMajor>
+    <cs:lnRef idx="0"/>
+    <cs:fillRef idx="0"/>
+    <cs:effectRef idx="0"/>
+    <cs:fontRef idx="minor">
+      <a:schemeClr val="tx1"/>
+    </cs:fontRef>
+    <cs:spPr>
+      <a:ln w="9525" cap="flat" cmpd="sng" algn="ctr">
+        <a:solidFill>
+          <a:schemeClr val="tx1">
+            <a:lumMod val="15000"/>
+            <a:lumOff val="85000"/>
+          </a:schemeClr>
+        </a:solidFill>
+        <a:round/>
+      </a:ln>
+    </cs:spPr>
+  </cs:gridlineMajor>
+  <cs:gridlineMinor>
+    <cs:lnRef idx="0"/>
+    <cs:fillRef idx="0"/>
+    <cs:effectRef idx="0"/>
+    <cs:fontRef idx="minor">
+      <a:schemeClr val="tx1"/>
+    </cs:fontRef>
+    <cs:spPr>
+      <a:ln w="9525" cap="flat" cmpd="sng" algn="ctr">
+        <a:solidFill>
+          <a:schemeClr val="tx1">
+            <a:lumMod val="5000"/>
+            <a:lumOff val="95000"/>
+          </a:schemeClr>
+        </a:solidFill>
+        <a:round/>
+      </a:ln>
+    </cs:spPr>
+  </cs:gridlineMinor>
+  <cs:hiLoLine>
+    <cs:lnRef idx="0"/>
+    <cs:fillRef idx="0"/>
+    <cs:effectRef idx="0"/>
+    <cs:fontRef idx="minor">
+      <a:schemeClr val="tx1"/>
+    </cs:fontRef>
+    <cs:spPr>
+      <a:ln w="9525" cap="flat" cmpd="sng" algn="ctr">
+        <a:solidFill>
+          <a:schemeClr val="tx1">
+            <a:lumMod val="50000"/>
+            <a:lumOff val="50000"/>
+          </a:schemeClr>
+        </a:solidFill>
+        <a:round/>
+      </a:ln>
+    </cs:spPr>
+  </cs:hiLoLine>
+  <cs:leaderLine>
+    <cs:lnRef idx="0"/>
+    <cs:fillRef idx="0"/>
+    <cs:effectRef idx="0"/>
+    <cs:fontRef idx="minor">
+      <a:schemeClr val="tx1"/>
+    </cs:fontRef>
+    <cs:spPr>
+      <a:ln w="9525" cap="flat" cmpd="sng" algn="ctr">
+        <a:solidFill>
+          <a:schemeClr val="tx1">
+            <a:lumMod val="35000"/>
+            <a:lumOff val="65000"/>
+          </a:schemeClr>
+        </a:solidFill>
+        <a:round/>
+      </a:ln>
+    </cs:spPr>
+  </cs:leaderLine>
+  <cs:legend>
+    <cs:lnRef idx="0"/>
+    <cs:fillRef idx="0"/>
+    <cs:effectRef idx="0"/>
+    <cs:fontRef idx="minor">
+      <a:schemeClr val="tx1">
+        <a:lumMod val="65000"/>
+        <a:lumOff val="35000"/>
+      </a:schemeClr>
+    </cs:fontRef>
+    <cs:defRPr sz="900" kern="1200"/>
+  </cs:legend>
+  <cs:plotArea mods="allowNoFillOverride allowNoLineOverride">
+    <cs:lnRef idx="0"/>
+    <cs:fillRef idx="0"/>
+    <cs:effectRef idx="0"/>
+    <cs:fontRef idx="minor">
+      <a:schemeClr val="tx1"/>
+    </cs:fontRef>
+  </cs:plotArea>
+  <cs:plotArea3D mods="allowNoFillOverride allowNoLineOverride">
+    <cs:lnRef idx="0"/>
+    <cs:fillRef idx="0"/>
+    <cs:effectRef idx="0"/>
+    <cs:fontRef idx="minor">
+      <a:schemeClr val="tx1"/>
+    </cs:fontRef>
+  </cs:plotArea3D>
+  <cs:seriesAxis>
+    <cs:lnRef idx="0"/>
+    <cs:fillRef idx="0"/>
+    <cs:effectRef idx="0"/>
+    <cs:fontRef idx="minor">
+      <a:schemeClr val="tx1">
+        <a:lumMod val="65000"/>
+        <a:lumOff val="35000"/>
+      </a:schemeClr>
+    </cs:fontRef>
+    <cs:defRPr sz="900" kern="1200"/>
+  </cs:seriesAxis>
+  <cs:seriesLine>
+    <cs:lnRef idx="0"/>
+    <cs:fillRef idx="0"/>
+    <cs:effectRef idx="0"/>
+    <cs:fontRef idx="minor">
+      <a:schemeClr val="tx1"/>
+    </cs:fontRef>
+    <cs:spPr>
+      <a:ln w="9525" cap="flat" cmpd="sng" algn="ctr">
+        <a:solidFill>
+          <a:schemeClr val="tx1">
+            <a:lumMod val="35000"/>
+            <a:lumOff val="65000"/>
+          </a:schemeClr>
+        </a:solidFill>
+        <a:round/>
+      </a:ln>
+    </cs:spPr>
+  </cs:seriesLine>
+  <cs:title>
+    <cs:lnRef idx="0"/>
+    <cs:fillRef idx="0"/>
+    <cs:effectRef idx="0"/>
+    <cs:fontRef idx="minor">
+      <a:schemeClr val="tx1">
+        <a:lumMod val="65000"/>
+        <a:lumOff val="35000"/>
+      </a:schemeClr>
+    </cs:fontRef>
+    <cs:defRPr sz="1400" b="0" kern="1200" spc="0" baseline="0"/>
+  </cs:title>
+  <cs:trendline>
+    <cs:lnRef idx="0">
+      <cs:styleClr val="auto"/>
+    </cs:lnRef>
+    <cs:fillRef idx="0"/>
+    <cs:effectRef idx="0"/>
+    <cs:fontRef idx="minor">
+      <a:schemeClr val="tx1"/>
+    </cs:fontRef>
+    <cs:spPr>
+      <a:ln w="19050" cap="rnd">
+        <a:solidFill>
+          <a:schemeClr val="phClr"/>
+        </a:solidFill>
+        <a:prstDash val="sysDot"/>
+      </a:ln>
+    </cs:spPr>
+  </cs:trendline>
+  <cs:trendlineLabel>
+    <cs:lnRef idx="0"/>
+    <cs:fillRef idx="0"/>
+    <cs:effectRef idx="0"/>
+    <cs:fontRef idx="minor">
+      <a:schemeClr val="tx1">
+        <a:lumMod val="65000"/>
+        <a:lumOff val="35000"/>
+      </a:schemeClr>
+    </cs:fontRef>
+    <cs:defRPr sz="900" kern="1200"/>
+  </cs:trendlineLabel>
+  <cs:upBar>
+    <cs:lnRef idx="0"/>
+    <cs:fillRef idx="0"/>
+    <cs:effectRef idx="0"/>
+    <cs:fontRef idx="minor">
+      <a:schemeClr val="tx1"/>
+    </cs:fontRef>
+    <cs:spPr>
+      <a:solidFill>
+        <a:schemeClr val="lt1"/>
+      </a:solidFill>
+      <a:ln w="9525" cap="flat" cmpd="sng" algn="ctr">
+        <a:solidFill>
+          <a:schemeClr val="tx1">
+            <a:lumMod val="65000"/>
+            <a:lumOff val="35000"/>
+          </a:schemeClr>
+        </a:solidFill>
+        <a:round/>
+      </a:ln>
+    </cs:spPr>
+  </cs:upBar>
+  <cs:valueAxis>
+    <cs:lnRef idx="0"/>
+    <cs:fillRef idx="0"/>
+    <cs:effectRef idx="0"/>
+    <cs:fontRef idx="minor">
+      <a:schemeClr val="tx1">
+        <a:lumMod val="65000"/>
+        <a:lumOff val="35000"/>
+      </a:schemeClr>
+    </cs:fontRef>
+    <cs:defRPr sz="900" kern="1200"/>
+  </cs:valueAxis>
+  <cs:wall>
+    <cs:lnRef idx="0"/>
+    <cs:fillRef idx="0"/>
+    <cs:effectRef idx="0"/>
+    <cs:fontRef idx="minor">
+      <a:schemeClr val="tx1"/>
+    </cs:fontRef>
+    <cs:spPr>
+      <a:noFill/>
+      <a:ln>
+        <a:noFill/>
+      </a:ln>
+    </cs:spPr>
+  </cs:wall>
+</cs:chartStyle>
+</file>
+
+<file path=ppt/drawings/drawing1.xml><?xml version="1.0" encoding="utf-8"?>
+<c:userShapes xmlns:c="http://schemas.openxmlformats.org/drawingml/2006/chart">
+  <cdr:relSizeAnchor xmlns:cdr="http://schemas.openxmlformats.org/drawingml/2006/chartDrawing">
+    <cdr:from>
+      <cdr:x>0.76246</cdr:x>
+      <cdr:y>0.16033</cdr:y>
+    </cdr:from>
+    <cdr:to>
+      <cdr:x>1</cdr:x>
+      <cdr:y>0.39599</cdr:y>
+    </cdr:to>
+    <cdr:sp macro="" textlink="">
+      <cdr:nvSpPr>
+        <cdr:cNvPr id="2" name="TextBox 1"/>
+        <cdr:cNvSpPr txBox="1"/>
+      </cdr:nvSpPr>
+      <cdr:spPr>
+        <a:xfrm xmlns:a="http://schemas.openxmlformats.org/drawingml/2006/main">
+          <a:off x="8017701" y="894852"/>
+          <a:ext cx="2497899" cy="1315233"/>
+        </a:xfrm>
+        <a:prstGeom xmlns:a="http://schemas.openxmlformats.org/drawingml/2006/main" prst="rect">
+          <a:avLst/>
+        </a:prstGeom>
+      </cdr:spPr>
+      <cdr:txBody>
+        <a:bodyPr xmlns:a="http://schemas.openxmlformats.org/drawingml/2006/main" vertOverflow="clip" wrap="square" rtlCol="0"/>
+        <a:lstStyle xmlns:a="http://schemas.openxmlformats.org/drawingml/2006/main"/>
+        <a:p xmlns:a="http://schemas.openxmlformats.org/drawingml/2006/main">
+          <a:r>
+            <a:rPr lang="en-US" sz="4000" smtClean="0"/>
+            <a:t>Shane </a:t>
+          </a:r>
+          <a:r>
+            <a:rPr lang="en-US" sz="4000" smtClean="0"/>
+            <a:t>40 </a:t>
+          </a:r>
+          <a:r>
+            <a:rPr lang="en-US" sz="4000" dirty="0" smtClean="0"/>
+            <a:t>Hours</a:t>
+          </a:r>
+          <a:endParaRPr lang="en-US" sz="4000" dirty="0"/>
+        </a:p>
+      </cdr:txBody>
+    </cdr:sp>
+  </cdr:relSizeAnchor>
+  <cdr:relSizeAnchor xmlns:cdr="http://schemas.openxmlformats.org/drawingml/2006/chartDrawing">
+    <cdr:from>
+      <cdr:x>0.67431</cdr:x>
+      <cdr:y>0.22766</cdr:y>
+    </cdr:from>
+    <cdr:to>
+      <cdr:x>0.76603</cdr:x>
+      <cdr:y>0.2344</cdr:y>
+    </cdr:to>
+    <cdr:cxnSp macro="">
+      <cdr:nvCxnSpPr>
+        <cdr:cNvPr id="4" name="Straight Arrow Connector 3"/>
+        <cdr:cNvCxnSpPr/>
+      </cdr:nvCxnSpPr>
+      <cdr:spPr>
+        <a:xfrm xmlns:a="http://schemas.openxmlformats.org/drawingml/2006/main" flipH="1">
+          <a:off x="7090775" y="1270633"/>
+          <a:ext cx="964504" cy="37578"/>
+        </a:xfrm>
+        <a:prstGeom xmlns:a="http://schemas.openxmlformats.org/drawingml/2006/main" prst="straightConnector1">
+          <a:avLst/>
+        </a:prstGeom>
+        <a:ln xmlns:a="http://schemas.openxmlformats.org/drawingml/2006/main">
+          <a:tailEnd type="triangle"/>
+        </a:ln>
+      </cdr:spPr>
+      <cdr:style>
+        <a:lnRef xmlns:a="http://schemas.openxmlformats.org/drawingml/2006/main" idx="1">
+          <a:schemeClr val="accent1"/>
+        </a:lnRef>
+        <a:fillRef xmlns:a="http://schemas.openxmlformats.org/drawingml/2006/main" idx="0">
+          <a:schemeClr val="accent1"/>
+        </a:fillRef>
+        <a:effectRef xmlns:a="http://schemas.openxmlformats.org/drawingml/2006/main" idx="0">
+          <a:schemeClr val="accent1"/>
+        </a:effectRef>
+        <a:fontRef xmlns:a="http://schemas.openxmlformats.org/drawingml/2006/main" idx="minor">
+          <a:schemeClr val="tx1"/>
+        </a:fontRef>
+      </cdr:style>
+    </cdr:cxnSp>
+  </cdr:relSizeAnchor>
+</c:userShapes>
+</file>
+
 <file path=ppt/slideLayouts/slideLayout1.xml><?xml version="1.0" encoding="utf-8"?>
 <p:sldLayout xmlns:a="http://schemas.openxmlformats.org/drawingml/2006/main" xmlns:r="http://schemas.openxmlformats.org/officeDocument/2006/relationships" xmlns:p="http://schemas.openxmlformats.org/presentationml/2006/main" type="title" preserve="1">
   <p:cSld name="Title Slide">
@@ -247,7 +1101,7 @@
           <a:p>
             <a:fld id="{522E4DB5-0FB6-E841-AF9E-E43321C6F836}" type="datetimeFigureOut">
               <a:rPr lang="en-US" smtClean="0"/>
-              <a:t>11/15/16</a:t>
+              <a:t>11/16/16</a:t>
             </a:fld>
             <a:endParaRPr lang="en-US"/>
           </a:p>
@@ -415,7 +1269,7 @@
           <a:p>
             <a:fld id="{522E4DB5-0FB6-E841-AF9E-E43321C6F836}" type="datetimeFigureOut">
               <a:rPr lang="en-US" smtClean="0"/>
-              <a:t>11/15/16</a:t>
+              <a:t>11/16/16</a:t>
             </a:fld>
             <a:endParaRPr lang="en-US"/>
           </a:p>
@@ -593,7 +1447,7 @@
           <a:p>
             <a:fld id="{522E4DB5-0FB6-E841-AF9E-E43321C6F836}" type="datetimeFigureOut">
               <a:rPr lang="en-US" smtClean="0"/>
-              <a:t>11/15/16</a:t>
+              <a:t>11/16/16</a:t>
             </a:fld>
             <a:endParaRPr lang="en-US"/>
           </a:p>
@@ -761,7 +1615,7 @@
           <a:p>
             <a:fld id="{522E4DB5-0FB6-E841-AF9E-E43321C6F836}" type="datetimeFigureOut">
               <a:rPr lang="en-US" smtClean="0"/>
-              <a:t>11/15/16</a:t>
+              <a:t>11/16/16</a:t>
             </a:fld>
             <a:endParaRPr lang="en-US"/>
           </a:p>
@@ -1006,7 +1860,7 @@
           <a:p>
             <a:fld id="{522E4DB5-0FB6-E841-AF9E-E43321C6F836}" type="datetimeFigureOut">
               <a:rPr lang="en-US" smtClean="0"/>
-              <a:t>11/15/16</a:t>
+              <a:t>11/16/16</a:t>
             </a:fld>
             <a:endParaRPr lang="en-US"/>
           </a:p>
@@ -1235,7 +2089,7 @@
           <a:p>
             <a:fld id="{522E4DB5-0FB6-E841-AF9E-E43321C6F836}" type="datetimeFigureOut">
               <a:rPr lang="en-US" smtClean="0"/>
-              <a:t>11/15/16</a:t>
+              <a:t>11/16/16</a:t>
             </a:fld>
             <a:endParaRPr lang="en-US"/>
           </a:p>
@@ -1599,7 +2453,7 @@
           <a:p>
             <a:fld id="{522E4DB5-0FB6-E841-AF9E-E43321C6F836}" type="datetimeFigureOut">
               <a:rPr lang="en-US" smtClean="0"/>
-              <a:t>11/15/16</a:t>
+              <a:t>11/16/16</a:t>
             </a:fld>
             <a:endParaRPr lang="en-US"/>
           </a:p>
@@ -1716,7 +2570,7 @@
           <a:p>
             <a:fld id="{522E4DB5-0FB6-E841-AF9E-E43321C6F836}" type="datetimeFigureOut">
               <a:rPr lang="en-US" smtClean="0"/>
-              <a:t>11/15/16</a:t>
+              <a:t>11/16/16</a:t>
             </a:fld>
             <a:endParaRPr lang="en-US"/>
           </a:p>
@@ -1811,7 +2665,7 @@
           <a:p>
             <a:fld id="{522E4DB5-0FB6-E841-AF9E-E43321C6F836}" type="datetimeFigureOut">
               <a:rPr lang="en-US" smtClean="0"/>
-              <a:t>11/15/16</a:t>
+              <a:t>11/16/16</a:t>
             </a:fld>
             <a:endParaRPr lang="en-US"/>
           </a:p>
@@ -2086,7 +2940,7 @@
           <a:p>
             <a:fld id="{522E4DB5-0FB6-E841-AF9E-E43321C6F836}" type="datetimeFigureOut">
               <a:rPr lang="en-US" smtClean="0"/>
-              <a:t>11/15/16</a:t>
+              <a:t>11/16/16</a:t>
             </a:fld>
             <a:endParaRPr lang="en-US"/>
           </a:p>
@@ -2338,7 +3192,7 @@
           <a:p>
             <a:fld id="{522E4DB5-0FB6-E841-AF9E-E43321C6F836}" type="datetimeFigureOut">
               <a:rPr lang="en-US" smtClean="0"/>
-              <a:t>11/15/16</a:t>
+              <a:t>11/16/16</a:t>
             </a:fld>
             <a:endParaRPr lang="en-US"/>
           </a:p>
@@ -2549,7 +3403,7 @@
           <a:p>
             <a:fld id="{522E4DB5-0FB6-E841-AF9E-E43321C6F836}" type="datetimeFigureOut">
               <a:rPr lang="en-US" smtClean="0"/>
-              <a:t>11/15/16</a:t>
+              <a:t>11/16/16</a:t>
             </a:fld>
             <a:endParaRPr lang="en-US"/>
           </a:p>
@@ -3160,10 +4014,9 @@
           <a:lstStyle/>
           <a:p>
             <a:r>
-              <a:rPr lang="en-US" dirty="0" smtClean="0"/>
-              <a:t>Overview</a:t>
-            </a:r>
-            <a:endParaRPr lang="en-US" dirty="0"/>
+              <a:rPr lang="en-GB" dirty="0"/>
+              <a:t>Key Stage 2 History Topics</a:t>
+            </a:r>
           </a:p>
         </p:txBody>
       </p:sp>
@@ -3182,14 +4035,70 @@
           <a:bodyPr/>
           <a:lstStyle/>
           <a:p>
-            <a:endParaRPr lang="en-US"/>
+            <a:pPr fontAlgn="ctr"/>
+            <a:r>
+              <a:rPr lang="en-GB" dirty="0"/>
+              <a:t>Ancient Greece</a:t>
+            </a:r>
+          </a:p>
+          <a:p>
+            <a:pPr fontAlgn="ctr"/>
+            <a:r>
+              <a:rPr lang="en-GB" dirty="0"/>
+              <a:t>Roman Empire </a:t>
+            </a:r>
+          </a:p>
+          <a:p>
+            <a:pPr fontAlgn="ctr"/>
+            <a:r>
+              <a:rPr lang="en-GB" dirty="0"/>
+              <a:t>Ancient Egypt</a:t>
+            </a:r>
+          </a:p>
+          <a:p>
+            <a:pPr fontAlgn="ctr"/>
+            <a:r>
+              <a:rPr lang="en-GB" dirty="0"/>
+              <a:t>The Americas</a:t>
+            </a:r>
+          </a:p>
+          <a:p>
+            <a:pPr fontAlgn="ctr"/>
+            <a:r>
+              <a:rPr lang="en-GB" dirty="0"/>
+              <a:t>Pre Historic  (Stonehenge)</a:t>
+            </a:r>
+          </a:p>
+          <a:p>
+            <a:pPr fontAlgn="ctr"/>
+            <a:r>
+              <a:rPr lang="en-GB" dirty="0"/>
+              <a:t>Vikings</a:t>
+            </a:r>
+          </a:p>
+          <a:p>
+            <a:pPr fontAlgn="ctr"/>
+            <a:r>
+              <a:rPr lang="en-GB" dirty="0"/>
+              <a:t>Middle Ages</a:t>
+            </a:r>
+          </a:p>
+          <a:p>
+            <a:pPr fontAlgn="ctr"/>
+            <a:r>
+              <a:rPr lang="en-GB" dirty="0"/>
+              <a:t>Anglo Saxons</a:t>
+            </a:r>
+          </a:p>
+          <a:p>
+            <a:endParaRPr lang="en-GB" dirty="0"/>
           </a:p>
         </p:txBody>
       </p:sp>
     </p:spTree>
     <p:extLst>
       <p:ext uri="{BB962C8B-B14F-4D97-AF65-F5344CB8AC3E}">
-        <p14:creationId xmlns:p14="http://schemas.microsoft.com/office/powerpoint/2010/main" val="834403695"/>
+        <p14:creationId xmlns:p14="http://schemas.microsoft.com/office/powerpoint/2010/main" val="614127605"/>
       </p:ext>
     </p:extLst>
   </p:cSld>
@@ -3223,7 +4132,7 @@
             <a:spLocks noGrp="1"/>
           </p:cNvSpPr>
           <p:nvPr>
-            <p:ph type="title"/>
+            <p:ph type="ctrTitle"/>
           </p:nvPr>
         </p:nvSpPr>
         <p:spPr/>
@@ -3232,91 +4141,16 @@
           <a:lstStyle/>
           <a:p>
             <a:r>
-              <a:rPr lang="en-GB" dirty="0"/>
-              <a:t>Key Stage 2 History Topics</a:t>
-            </a:r>
-          </a:p>
-        </p:txBody>
-      </p:sp>
-      <p:sp>
-        <p:nvSpPr>
-          <p:cNvPr id="3" name="Content Placeholder 2"/>
-          <p:cNvSpPr>
-            <a:spLocks noGrp="1"/>
-          </p:cNvSpPr>
-          <p:nvPr>
-            <p:ph idx="1"/>
-          </p:nvPr>
-        </p:nvSpPr>
-        <p:spPr/>
-        <p:txBody>
-          <a:bodyPr/>
-          <a:lstStyle/>
-          <a:p>
-            <a:pPr fontAlgn="ctr"/>
-            <a:r>
-              <a:rPr lang="en-GB" dirty="0"/>
-              <a:t>Ancient Greece</a:t>
-            </a:r>
-          </a:p>
-          <a:p>
-            <a:pPr fontAlgn="ctr"/>
-            <a:r>
-              <a:rPr lang="en-GB" dirty="0"/>
-              <a:t>Roman Empire </a:t>
-            </a:r>
-          </a:p>
-          <a:p>
-            <a:pPr fontAlgn="ctr"/>
-            <a:r>
-              <a:rPr lang="en-GB" dirty="0"/>
-              <a:t>Ancient Egypt</a:t>
-            </a:r>
-          </a:p>
-          <a:p>
-            <a:pPr fontAlgn="ctr"/>
-            <a:r>
-              <a:rPr lang="en-GB" dirty="0"/>
-              <a:t>The Americas</a:t>
-            </a:r>
-          </a:p>
-          <a:p>
-            <a:pPr fontAlgn="ctr"/>
-            <a:r>
-              <a:rPr lang="en-GB" dirty="0"/>
-              <a:t>Pre Historic  (Stonehenge)</a:t>
-            </a:r>
-          </a:p>
-          <a:p>
-            <a:pPr fontAlgn="ctr"/>
-            <a:r>
-              <a:rPr lang="en-GB" dirty="0"/>
-              <a:t>Vikings</a:t>
-            </a:r>
-          </a:p>
-          <a:p>
-            <a:pPr fontAlgn="ctr"/>
-            <a:r>
-              <a:rPr lang="en-GB" dirty="0"/>
-              <a:t>Middle Ages</a:t>
-            </a:r>
-          </a:p>
-          <a:p>
-            <a:pPr fontAlgn="ctr"/>
-            <a:r>
-              <a:rPr lang="en-GB" dirty="0"/>
-              <a:t>Anglo Saxons</a:t>
-            </a:r>
-          </a:p>
-          <a:p>
-            <a:endParaRPr lang="en-GB" dirty="0"/>
+              <a:rPr lang="en-US" dirty="0"/>
+              <a:t>Game</a:t>
+            </a:r>
           </a:p>
         </p:txBody>
       </p:sp>
     </p:spTree>
     <p:extLst>
       <p:ext uri="{BB962C8B-B14F-4D97-AF65-F5344CB8AC3E}">
-        <p14:creationId xmlns:p14="http://schemas.microsoft.com/office/powerpoint/2010/main" val="614127605"/>
+        <p14:creationId xmlns:p14="http://schemas.microsoft.com/office/powerpoint/2010/main" val="3037457957"/>
       </p:ext>
     </p:extLst>
   </p:cSld>
@@ -3366,6 +4200,93 @@
           </a:p>
         </p:txBody>
       </p:sp>
+      <p:pic>
+        <p:nvPicPr>
+          <p:cNvPr id="3" name="Picture 2"/>
+          <p:cNvPicPr>
+            <a:picLocks noChangeAspect="1"/>
+          </p:cNvPicPr>
+          <p:nvPr/>
+        </p:nvPicPr>
+        <p:blipFill rotWithShape="1">
+          <a:blip r:embed="rId2">
+            <a:extLst>
+              <a:ext uri="{28A0092B-C50C-407E-A947-70E740481C1C}">
+                <a14:useLocalDpi xmlns:a14="http://schemas.microsoft.com/office/drawing/2010/main" val="0"/>
+              </a:ext>
+            </a:extLst>
+          </a:blip>
+          <a:srcRect l="25283" t="15342" r="27225" b="26758"/>
+          <a:stretch/>
+        </p:blipFill>
+        <p:spPr>
+          <a:xfrm>
+            <a:off x="488515" y="1999772"/>
+            <a:ext cx="4083485" cy="3970751"/>
+          </a:xfrm>
+          <a:prstGeom prst="rect">
+            <a:avLst/>
+          </a:prstGeom>
+        </p:spPr>
+      </p:pic>
+      <p:pic>
+        <p:nvPicPr>
+          <p:cNvPr id="4" name="Picture 3"/>
+          <p:cNvPicPr>
+            <a:picLocks noChangeAspect="1"/>
+          </p:cNvPicPr>
+          <p:nvPr/>
+        </p:nvPicPr>
+        <p:blipFill rotWithShape="1">
+          <a:blip r:embed="rId3">
+            <a:extLst>
+              <a:ext uri="{28A0092B-C50C-407E-A947-70E740481C1C}">
+                <a14:useLocalDpi xmlns:a14="http://schemas.microsoft.com/office/drawing/2010/main" val="0"/>
+              </a:ext>
+            </a:extLst>
+          </a:blip>
+          <a:srcRect l="25209" t="35616" r="27012" b="16712"/>
+          <a:stretch/>
+        </p:blipFill>
+        <p:spPr>
+          <a:xfrm>
+            <a:off x="4572000" y="365125"/>
+            <a:ext cx="4108160" cy="3269293"/>
+          </a:xfrm>
+          <a:prstGeom prst="rect">
+            <a:avLst/>
+          </a:prstGeom>
+        </p:spPr>
+      </p:pic>
+      <p:pic>
+        <p:nvPicPr>
+          <p:cNvPr id="5" name="Picture 4"/>
+          <p:cNvPicPr>
+            <a:picLocks noChangeAspect="1"/>
+          </p:cNvPicPr>
+          <p:nvPr/>
+        </p:nvPicPr>
+        <p:blipFill rotWithShape="1">
+          <a:blip r:embed="rId4">
+            <a:extLst>
+              <a:ext uri="{28A0092B-C50C-407E-A947-70E740481C1C}">
+                <a14:useLocalDpi xmlns:a14="http://schemas.microsoft.com/office/drawing/2010/main" val="0"/>
+              </a:ext>
+            </a:extLst>
+          </a:blip>
+          <a:srcRect l="59072" t="27209" r="12082" b="43772"/>
+          <a:stretch/>
+        </p:blipFill>
+        <p:spPr>
+          <a:xfrm>
+            <a:off x="7098083" y="3634418"/>
+            <a:ext cx="3799562" cy="3048797"/>
+          </a:xfrm>
+          <a:prstGeom prst="rect">
+            <a:avLst/>
+          </a:prstGeom>
+        </p:spPr>
+      </p:pic>
     </p:spTree>
     <p:extLst>
       <p:ext uri="{BB962C8B-B14F-4D97-AF65-F5344CB8AC3E}">
@@ -3403,7 +4324,7 @@
             <a:spLocks noGrp="1"/>
           </p:cNvSpPr>
           <p:nvPr>
-            <p:ph type="ctrTitle"/>
+            <p:ph type="title"/>
           </p:nvPr>
         </p:nvSpPr>
         <p:spPr/>
@@ -3412,16 +4333,58 @@
           <a:lstStyle/>
           <a:p>
             <a:r>
-              <a:rPr lang="en-US" dirty="0"/>
-              <a:t>Game</a:t>
-            </a:r>
+              <a:rPr lang="en-US" dirty="0" smtClean="0"/>
+              <a:t>What we are doing next</a:t>
+            </a:r>
+            <a:endParaRPr lang="en-US" dirty="0"/>
+          </a:p>
+        </p:txBody>
+      </p:sp>
+      <p:sp>
+        <p:nvSpPr>
+          <p:cNvPr id="3" name="Content Placeholder 2"/>
+          <p:cNvSpPr>
+            <a:spLocks noGrp="1"/>
+          </p:cNvSpPr>
+          <p:nvPr>
+            <p:ph idx="1"/>
+          </p:nvPr>
+        </p:nvSpPr>
+        <p:spPr/>
+        <p:txBody>
+          <a:bodyPr/>
+          <a:lstStyle/>
+          <a:p>
+            <a:r>
+              <a:rPr lang="en-US" dirty="0" smtClean="0"/>
+              <a:t>Fixing and Finishing the match 3 mechanic</a:t>
+            </a:r>
+          </a:p>
+          <a:p>
+            <a:r>
+              <a:rPr lang="en-US" dirty="0" smtClean="0"/>
+              <a:t>Menu Camera Movement / level Information UI</a:t>
+            </a:r>
+          </a:p>
+          <a:p>
+            <a:r>
+              <a:rPr lang="en-US" dirty="0" smtClean="0"/>
+              <a:t>Remaining Environment Models for Anglo Saxon levels</a:t>
+            </a:r>
+          </a:p>
+          <a:p>
+            <a:r>
+              <a:rPr lang="en-US" dirty="0" smtClean="0"/>
+              <a:t>Facts spawn in on the correct level </a:t>
+            </a:r>
+            <a:endParaRPr lang="en-US" dirty="0"/>
           </a:p>
         </p:txBody>
       </p:sp>
     </p:spTree>
     <p:extLst>
       <p:ext uri="{BB962C8B-B14F-4D97-AF65-F5344CB8AC3E}">
-        <p14:creationId xmlns:p14="http://schemas.microsoft.com/office/powerpoint/2010/main" val="3037457957"/>
+        <p14:creationId xmlns:p14="http://schemas.microsoft.com/office/powerpoint/2010/main" val="754686955"/>
       </p:ext>
     </p:extLst>
   </p:cSld>
@@ -3448,78 +4411,161 @@
           <a:chExt cx="0" cy="0"/>
         </a:xfrm>
       </p:grpSpPr>
-      <p:sp>
-        <p:nvSpPr>
-          <p:cNvPr id="2" name="Title 1"/>
-          <p:cNvSpPr>
-            <a:spLocks noGrp="1"/>
-          </p:cNvSpPr>
-          <p:nvPr>
-            <p:ph type="title"/>
-          </p:nvPr>
-        </p:nvSpPr>
-        <p:spPr/>
-        <p:txBody>
-          <a:bodyPr/>
-          <a:lstStyle/>
-          <a:p>
-            <a:r>
-              <a:rPr lang="en-US" dirty="0" smtClean="0"/>
-              <a:t>What we are doing next</a:t>
-            </a:r>
-            <a:endParaRPr lang="en-US" dirty="0"/>
-          </a:p>
-        </p:txBody>
-      </p:sp>
-      <p:sp>
-        <p:nvSpPr>
-          <p:cNvPr id="3" name="Content Placeholder 2"/>
-          <p:cNvSpPr>
-            <a:spLocks noGrp="1"/>
-          </p:cNvSpPr>
+      <p:graphicFrame>
+        <p:nvGraphicFramePr>
+          <p:cNvPr id="4" name="Content Placeholder 3"/>
+          <p:cNvGraphicFramePr>
+            <a:graphicFrameLocks noGrp="1"/>
+          </p:cNvGraphicFramePr>
           <p:nvPr>
             <p:ph idx="1"/>
-          </p:nvPr>
-        </p:nvSpPr>
-        <p:spPr/>
-        <p:txBody>
-          <a:bodyPr/>
-          <a:lstStyle/>
-          <a:p>
-            <a:r>
-              <a:rPr lang="en-US" dirty="0" smtClean="0"/>
-              <a:t>Fixing and Finishing the match 3 mechanic</a:t>
-            </a:r>
-          </a:p>
-          <a:p>
-            <a:r>
-              <a:rPr lang="en-US" dirty="0" smtClean="0"/>
-              <a:t>Menu Camera Movement / level Information UI</a:t>
-            </a:r>
-          </a:p>
-          <a:p>
-            <a:r>
-              <a:rPr lang="en-US" dirty="0" smtClean="0"/>
-              <a:t>Remaining Environment Models for Anglo Saxon levels</a:t>
-            </a:r>
-          </a:p>
-          <a:p>
-            <a:r>
-              <a:rPr lang="en-US" dirty="0" smtClean="0"/>
-              <a:t>Facts spawn in on </a:t>
-            </a:r>
-            <a:r>
-              <a:rPr lang="en-US" smtClean="0"/>
-              <a:t>the correct level </a:t>
-            </a:r>
-            <a:endParaRPr lang="en-US" dirty="0"/>
-          </a:p>
-        </p:txBody>
-      </p:sp>
+            <p:extLst>
+              <p:ext uri="{D42A27DB-BD31-4B8C-83A1-F6EECF244321}">
+                <p14:modId xmlns:p14="http://schemas.microsoft.com/office/powerpoint/2010/main" val="634541583"/>
+              </p:ext>
+            </p:extLst>
+          </p:nvPr>
+        </p:nvGraphicFramePr>
+        <p:xfrm>
+          <a:off x="838200" y="463463"/>
+          <a:ext cx="10515600" cy="5738552"/>
+        </p:xfrm>
+        <a:graphic>
+          <a:graphicData uri="http://schemas.openxmlformats.org/drawingml/2006/chart">
+            <c:chart xmlns:c="http://schemas.openxmlformats.org/drawingml/2006/chart" xmlns:r="http://schemas.openxmlformats.org/officeDocument/2006/relationships" r:id="rId2"/>
+          </a:graphicData>
+        </a:graphic>
+      </p:graphicFrame>
+      <p:sp>
+        <p:nvSpPr>
+          <p:cNvPr id="6" name="TextBox 5"/>
+          <p:cNvSpPr txBox="1"/>
+          <p:nvPr/>
+        </p:nvSpPr>
+        <p:spPr>
+          <a:xfrm>
+            <a:off x="1478071" y="1415441"/>
+            <a:ext cx="1778696" cy="1323439"/>
+          </a:xfrm>
+          <a:prstGeom prst="rect">
+            <a:avLst/>
+          </a:prstGeom>
+          <a:noFill/>
+        </p:spPr>
+        <p:txBody>
+          <a:bodyPr wrap="square" rtlCol="0">
+            <a:spAutoFit/>
+          </a:bodyPr>
+          <a:lstStyle/>
+          <a:p>
+            <a:r>
+              <a:rPr lang="en-US" sz="4000" dirty="0" smtClean="0"/>
+              <a:t>Tom 40 Hours</a:t>
+            </a:r>
+            <a:endParaRPr lang="en-US" sz="4000" dirty="0"/>
+          </a:p>
+        </p:txBody>
+      </p:sp>
+      <p:cxnSp>
+        <p:nvCxnSpPr>
+          <p:cNvPr id="8" name="Straight Arrow Connector 7"/>
+          <p:cNvCxnSpPr/>
+          <p:nvPr/>
+        </p:nvCxnSpPr>
+        <p:spPr>
+          <a:xfrm>
+            <a:off x="3093929" y="2129425"/>
+            <a:ext cx="814192" cy="300624"/>
+          </a:xfrm>
+          <a:prstGeom prst="straightConnector1">
+            <a:avLst/>
+          </a:prstGeom>
+          <a:ln>
+            <a:tailEnd type="triangle"/>
+          </a:ln>
+        </p:spPr>
+        <p:style>
+          <a:lnRef idx="1">
+            <a:schemeClr val="dk1"/>
+          </a:lnRef>
+          <a:fillRef idx="0">
+            <a:schemeClr val="dk1"/>
+          </a:fillRef>
+          <a:effectRef idx="0">
+            <a:schemeClr val="dk1"/>
+          </a:effectRef>
+          <a:fontRef idx="minor">
+            <a:schemeClr val="tx1"/>
+          </a:fontRef>
+        </p:style>
+      </p:cxnSp>
+      <p:sp>
+        <p:nvSpPr>
+          <p:cNvPr id="9" name="TextBox 8"/>
+          <p:cNvSpPr txBox="1"/>
+          <p:nvPr/>
+        </p:nvSpPr>
+        <p:spPr>
+          <a:xfrm>
+            <a:off x="838200" y="5032991"/>
+            <a:ext cx="2605414" cy="1323439"/>
+          </a:xfrm>
+          <a:prstGeom prst="rect">
+            <a:avLst/>
+          </a:prstGeom>
+          <a:noFill/>
+        </p:spPr>
+        <p:txBody>
+          <a:bodyPr wrap="square" rtlCol="0">
+            <a:spAutoFit/>
+          </a:bodyPr>
+          <a:lstStyle/>
+          <a:p>
+            <a:r>
+              <a:rPr lang="en-US" sz="4000" dirty="0" smtClean="0"/>
+              <a:t>George 40.5 Hours</a:t>
+            </a:r>
+            <a:endParaRPr lang="en-US" sz="4000" dirty="0"/>
+          </a:p>
+        </p:txBody>
+      </p:sp>
+      <p:cxnSp>
+        <p:nvCxnSpPr>
+          <p:cNvPr id="11" name="Straight Arrow Connector 10"/>
+          <p:cNvCxnSpPr/>
+          <p:nvPr/>
+        </p:nvCxnSpPr>
+        <p:spPr>
+          <a:xfrm flipV="1">
+            <a:off x="2880986" y="5336088"/>
+            <a:ext cx="1377863" cy="250520"/>
+          </a:xfrm>
+          <a:prstGeom prst="straightConnector1">
+            <a:avLst/>
+          </a:prstGeom>
+          <a:ln>
+            <a:tailEnd type="triangle"/>
+          </a:ln>
+        </p:spPr>
+        <p:style>
+          <a:lnRef idx="1">
+            <a:schemeClr val="accent2"/>
+          </a:lnRef>
+          <a:fillRef idx="0">
+            <a:schemeClr val="accent2"/>
+          </a:fillRef>
+          <a:effectRef idx="0">
+            <a:schemeClr val="accent2"/>
+          </a:effectRef>
+          <a:fontRef idx="minor">
+            <a:schemeClr val="tx1"/>
+          </a:fontRef>
+        </p:style>
+      </p:cxnSp>
     </p:spTree>
     <p:extLst>
       <p:ext uri="{BB962C8B-B14F-4D97-AF65-F5344CB8AC3E}">
-        <p14:creationId xmlns:p14="http://schemas.microsoft.com/office/powerpoint/2010/main" val="754686955"/>
+        <p14:creationId xmlns:p14="http://schemas.microsoft.com/office/powerpoint/2010/main" val="1818132211"/>
       </p:ext>
     </p:extLst>
   </p:cSld>
